--- a/images/coffee-data-beta.pptx
+++ b/images/coffee-data-beta.pptx
@@ -104,6 +104,11 @@
       </a:defRPr>
     </a:lvl9pPr>
   </p:defaultTextStyle>
+  <p:extLst>
+    <p:ext uri="{EFAFB233-063F-42B5-8137-9DF3F51BA10A}">
+      <p15:sldGuideLst xmlns:p15="http://schemas.microsoft.com/office/powerpoint/2012/main"/>
+    </p:ext>
+  </p:extLst>
 </p:presentation>
 </file>
 
@@ -256,7 +261,7 @@
           <a:p>
             <a:fld id="{B86A6FE6-B0C7-46B6-8D1D-E7B9867C346D}" type="datetimeFigureOut">
               <a:rPr lang="en-CA" smtClean="0"/>
-              <a:t>2024-05-10</a:t>
+              <a:t>2024-05-11</a:t>
             </a:fld>
             <a:endParaRPr lang="en-CA"/>
           </a:p>
@@ -456,7 +461,7 @@
           <a:p>
             <a:fld id="{B86A6FE6-B0C7-46B6-8D1D-E7B9867C346D}" type="datetimeFigureOut">
               <a:rPr lang="en-CA" smtClean="0"/>
-              <a:t>2024-05-10</a:t>
+              <a:t>2024-05-11</a:t>
             </a:fld>
             <a:endParaRPr lang="en-CA"/>
           </a:p>
@@ -666,7 +671,7 @@
           <a:p>
             <a:fld id="{B86A6FE6-B0C7-46B6-8D1D-E7B9867C346D}" type="datetimeFigureOut">
               <a:rPr lang="en-CA" smtClean="0"/>
-              <a:t>2024-05-10</a:t>
+              <a:t>2024-05-11</a:t>
             </a:fld>
             <a:endParaRPr lang="en-CA"/>
           </a:p>
@@ -866,7 +871,7 @@
           <a:p>
             <a:fld id="{B86A6FE6-B0C7-46B6-8D1D-E7B9867C346D}" type="datetimeFigureOut">
               <a:rPr lang="en-CA" smtClean="0"/>
-              <a:t>2024-05-10</a:t>
+              <a:t>2024-05-11</a:t>
             </a:fld>
             <a:endParaRPr lang="en-CA"/>
           </a:p>
@@ -1142,7 +1147,7 @@
           <a:p>
             <a:fld id="{B86A6FE6-B0C7-46B6-8D1D-E7B9867C346D}" type="datetimeFigureOut">
               <a:rPr lang="en-CA" smtClean="0"/>
-              <a:t>2024-05-10</a:t>
+              <a:t>2024-05-11</a:t>
             </a:fld>
             <a:endParaRPr lang="en-CA"/>
           </a:p>
@@ -1410,7 +1415,7 @@
           <a:p>
             <a:fld id="{B86A6FE6-B0C7-46B6-8D1D-E7B9867C346D}" type="datetimeFigureOut">
               <a:rPr lang="en-CA" smtClean="0"/>
-              <a:t>2024-05-10</a:t>
+              <a:t>2024-05-11</a:t>
             </a:fld>
             <a:endParaRPr lang="en-CA"/>
           </a:p>
@@ -1825,7 +1830,7 @@
           <a:p>
             <a:fld id="{B86A6FE6-B0C7-46B6-8D1D-E7B9867C346D}" type="datetimeFigureOut">
               <a:rPr lang="en-CA" smtClean="0"/>
-              <a:t>2024-05-10</a:t>
+              <a:t>2024-05-11</a:t>
             </a:fld>
             <a:endParaRPr lang="en-CA"/>
           </a:p>
@@ -1967,7 +1972,7 @@
           <a:p>
             <a:fld id="{B86A6FE6-B0C7-46B6-8D1D-E7B9867C346D}" type="datetimeFigureOut">
               <a:rPr lang="en-CA" smtClean="0"/>
-              <a:t>2024-05-10</a:t>
+              <a:t>2024-05-11</a:t>
             </a:fld>
             <a:endParaRPr lang="en-CA"/>
           </a:p>
@@ -2080,7 +2085,7 @@
           <a:p>
             <a:fld id="{B86A6FE6-B0C7-46B6-8D1D-E7B9867C346D}" type="datetimeFigureOut">
               <a:rPr lang="en-CA" smtClean="0"/>
-              <a:t>2024-05-10</a:t>
+              <a:t>2024-05-11</a:t>
             </a:fld>
             <a:endParaRPr lang="en-CA"/>
           </a:p>
@@ -2393,7 +2398,7 @@
           <a:p>
             <a:fld id="{B86A6FE6-B0C7-46B6-8D1D-E7B9867C346D}" type="datetimeFigureOut">
               <a:rPr lang="en-CA" smtClean="0"/>
-              <a:t>2024-05-10</a:t>
+              <a:t>2024-05-11</a:t>
             </a:fld>
             <a:endParaRPr lang="en-CA"/>
           </a:p>
@@ -2682,7 +2687,7 @@
           <a:p>
             <a:fld id="{B86A6FE6-B0C7-46B6-8D1D-E7B9867C346D}" type="datetimeFigureOut">
               <a:rPr lang="en-CA" smtClean="0"/>
-              <a:t>2024-05-10</a:t>
+              <a:t>2024-05-11</a:t>
             </a:fld>
             <a:endParaRPr lang="en-CA"/>
           </a:p>
@@ -2925,7 +2930,7 @@
           <a:p>
             <a:fld id="{B86A6FE6-B0C7-46B6-8D1D-E7B9867C346D}" type="datetimeFigureOut">
               <a:rPr lang="en-CA" smtClean="0"/>
-              <a:t>2024-05-10</a:t>
+              <a:t>2024-05-11</a:t>
             </a:fld>
             <a:endParaRPr lang="en-CA"/>
           </a:p>
@@ -3344,10 +3349,10 @@
       </p:grpSpPr>
       <p:pic>
         <p:nvPicPr>
-          <p:cNvPr id="5" name="Picture 4" descr="A graph of a stress and coffee&#10;&#10;Description automatically generated">
-            <a:extLst>
-              <a:ext uri="{FF2B5EF4-FFF2-40B4-BE49-F238E27FC236}">
-                <a16:creationId xmlns:a16="http://schemas.microsoft.com/office/drawing/2014/main" id="{E3DD4920-52B7-ED85-1097-79A3B100A1FB}"/>
+          <p:cNvPr id="7" name="Picture 6" descr="A graph of a function&#10;&#10;Description automatically generated with medium confidence">
+            <a:extLst>
+              <a:ext uri="{FF2B5EF4-FFF2-40B4-BE49-F238E27FC236}">
+                <a16:creationId xmlns:a16="http://schemas.microsoft.com/office/drawing/2014/main" id="{69461B7A-F5DF-959D-E372-8D6A28DA397E}"/>
               </a:ext>
             </a:extLst>
           </p:cNvPr>
@@ -3370,7 +3375,7 @@
         </p:blipFill>
         <p:spPr>
           <a:xfrm>
-            <a:off x="933265" y="838015"/>
+            <a:off x="5486215" y="838015"/>
             <a:ext cx="4267570" cy="4267570"/>
           </a:xfrm>
           <a:prstGeom prst="rect">
@@ -3380,10 +3385,10 @@
       </p:pic>
       <p:pic>
         <p:nvPicPr>
-          <p:cNvPr id="7" name="Picture 6" descr="A graph of a function&#10;&#10;Description automatically generated with medium confidence">
-            <a:extLst>
-              <a:ext uri="{FF2B5EF4-FFF2-40B4-BE49-F238E27FC236}">
-                <a16:creationId xmlns:a16="http://schemas.microsoft.com/office/drawing/2014/main" id="{69461B7A-F5DF-959D-E372-8D6A28DA397E}"/>
+          <p:cNvPr id="3" name="Picture 2" descr="A diagram of a stress and coffee&#10;&#10;Description automatically generated">
+            <a:extLst>
+              <a:ext uri="{FF2B5EF4-FFF2-40B4-BE49-F238E27FC236}">
+                <a16:creationId xmlns:a16="http://schemas.microsoft.com/office/drawing/2014/main" id="{BF1A29D5-2475-1FB1-D89D-77B5D151137F}"/>
               </a:ext>
             </a:extLst>
           </p:cNvPr>
@@ -3406,7 +3411,7 @@
         </p:blipFill>
         <p:spPr>
           <a:xfrm>
-            <a:off x="5486215" y="838015"/>
+            <a:off x="936000" y="838015"/>
             <a:ext cx="4267570" cy="4267570"/>
           </a:xfrm>
           <a:prstGeom prst="rect">
